--- a/Java Programming_Solving problems with software/week3/week3_notes_opencsv.pptx
+++ b/Java Programming_Solving problems with software/week3/week3_notes_opencsv.pptx
@@ -5,14 +5,13 @@
     <p:sldMasterId id="2147483648" r:id="rId1"/>
   </p:sldMasterIdLst>
   <p:notesMasterIdLst>
-    <p:notesMasterId r:id="rId7"/>
+    <p:notesMasterId r:id="rId6"/>
   </p:notesMasterIdLst>
   <p:sldIdLst>
     <p:sldId id="256" r:id="rId2"/>
     <p:sldId id="257" r:id="rId3"/>
     <p:sldId id="258" r:id="rId4"/>
     <p:sldId id="259" r:id="rId5"/>
-    <p:sldId id="260" r:id="rId6"/>
   </p:sldIdLst>
   <p:sldSz cx="12192000" cy="6858000"/>
   <p:notesSz cx="6858000" cy="9144000"/>
@@ -201,7 +200,7 @@
           <a:p>
             <a:fld id="{0D472E29-F90B-4DB1-AEC8-3AA658EFEC9B}" type="datetimeFigureOut">
               <a:rPr lang="en-US" smtClean="0"/>
-              <a:t>8/25/2021</a:t>
+              <a:t>8/26/2021</a:t>
             </a:fld>
             <a:endParaRPr lang="en-US"/>
           </a:p>
@@ -716,7 +715,7 @@
           <a:p>
             <a:fld id="{61919A03-A4FB-4A46-8131-4C82A26FBEEF}" type="datetimeFigureOut">
               <a:rPr lang="en-US" smtClean="0"/>
-              <a:t>8/25/2021</a:t>
+              <a:t>8/26/2021</a:t>
             </a:fld>
             <a:endParaRPr lang="en-US"/>
           </a:p>
@@ -914,7 +913,7 @@
           <a:p>
             <a:fld id="{61919A03-A4FB-4A46-8131-4C82A26FBEEF}" type="datetimeFigureOut">
               <a:rPr lang="en-US" smtClean="0"/>
-              <a:t>8/25/2021</a:t>
+              <a:t>8/26/2021</a:t>
             </a:fld>
             <a:endParaRPr lang="en-US"/>
           </a:p>
@@ -1122,7 +1121,7 @@
           <a:p>
             <a:fld id="{61919A03-A4FB-4A46-8131-4C82A26FBEEF}" type="datetimeFigureOut">
               <a:rPr lang="en-US" smtClean="0"/>
-              <a:t>8/25/2021</a:t>
+              <a:t>8/26/2021</a:t>
             </a:fld>
             <a:endParaRPr lang="en-US"/>
           </a:p>
@@ -1320,7 +1319,7 @@
           <a:p>
             <a:fld id="{61919A03-A4FB-4A46-8131-4C82A26FBEEF}" type="datetimeFigureOut">
               <a:rPr lang="en-US" smtClean="0"/>
-              <a:t>8/25/2021</a:t>
+              <a:t>8/26/2021</a:t>
             </a:fld>
             <a:endParaRPr lang="en-US"/>
           </a:p>
@@ -1595,7 +1594,7 @@
           <a:p>
             <a:fld id="{61919A03-A4FB-4A46-8131-4C82A26FBEEF}" type="datetimeFigureOut">
               <a:rPr lang="en-US" smtClean="0"/>
-              <a:t>8/25/2021</a:t>
+              <a:t>8/26/2021</a:t>
             </a:fld>
             <a:endParaRPr lang="en-US"/>
           </a:p>
@@ -1860,7 +1859,7 @@
           <a:p>
             <a:fld id="{61919A03-A4FB-4A46-8131-4C82A26FBEEF}" type="datetimeFigureOut">
               <a:rPr lang="en-US" smtClean="0"/>
-              <a:t>8/25/2021</a:t>
+              <a:t>8/26/2021</a:t>
             </a:fld>
             <a:endParaRPr lang="en-US"/>
           </a:p>
@@ -2272,7 +2271,7 @@
           <a:p>
             <a:fld id="{61919A03-A4FB-4A46-8131-4C82A26FBEEF}" type="datetimeFigureOut">
               <a:rPr lang="en-US" smtClean="0"/>
-              <a:t>8/25/2021</a:t>
+              <a:t>8/26/2021</a:t>
             </a:fld>
             <a:endParaRPr lang="en-US"/>
           </a:p>
@@ -2413,7 +2412,7 @@
           <a:p>
             <a:fld id="{61919A03-A4FB-4A46-8131-4C82A26FBEEF}" type="datetimeFigureOut">
               <a:rPr lang="en-US" smtClean="0"/>
-              <a:t>8/25/2021</a:t>
+              <a:t>8/26/2021</a:t>
             </a:fld>
             <a:endParaRPr lang="en-US"/>
           </a:p>
@@ -2526,7 +2525,7 @@
           <a:p>
             <a:fld id="{61919A03-A4FB-4A46-8131-4C82A26FBEEF}" type="datetimeFigureOut">
               <a:rPr lang="en-US" smtClean="0"/>
-              <a:t>8/25/2021</a:t>
+              <a:t>8/26/2021</a:t>
             </a:fld>
             <a:endParaRPr lang="en-US"/>
           </a:p>
@@ -2837,7 +2836,7 @@
           <a:p>
             <a:fld id="{61919A03-A4FB-4A46-8131-4C82A26FBEEF}" type="datetimeFigureOut">
               <a:rPr lang="en-US" smtClean="0"/>
-              <a:t>8/25/2021</a:t>
+              <a:t>8/26/2021</a:t>
             </a:fld>
             <a:endParaRPr lang="en-US"/>
           </a:p>
@@ -3125,7 +3124,7 @@
           <a:p>
             <a:fld id="{61919A03-A4FB-4A46-8131-4C82A26FBEEF}" type="datetimeFigureOut">
               <a:rPr lang="en-US" smtClean="0"/>
-              <a:t>8/25/2021</a:t>
+              <a:t>8/26/2021</a:t>
             </a:fld>
             <a:endParaRPr lang="en-US"/>
           </a:p>
@@ -3366,7 +3365,7 @@
           <a:p>
             <a:fld id="{61919A03-A4FB-4A46-8131-4C82A26FBEEF}" type="datetimeFigureOut">
               <a:rPr lang="en-US" smtClean="0"/>
-              <a:t>8/25/2021</a:t>
+              <a:t>8/26/2021</a:t>
             </a:fld>
             <a:endParaRPr lang="en-US"/>
           </a:p>
@@ -4233,86 +4232,6 @@
     <p:extLst>
       <p:ext uri="{BB962C8B-B14F-4D97-AF65-F5344CB8AC3E}">
         <p14:creationId xmlns:p14="http://schemas.microsoft.com/office/powerpoint/2010/main" val="1714950826"/>
-      </p:ext>
-    </p:extLst>
-  </p:cSld>
-  <p:clrMapOvr>
-    <a:masterClrMapping/>
-  </p:clrMapOvr>
-</p:sld>
-</file>
-
-<file path=ppt/slides/slide5.xml><?xml version="1.0" encoding="utf-8"?>
-<p:sld xmlns:a="http://schemas.openxmlformats.org/drawingml/2006/main" xmlns:r="http://schemas.openxmlformats.org/officeDocument/2006/relationships" xmlns:p="http://schemas.openxmlformats.org/presentationml/2006/main">
-  <p:cSld>
-    <p:spTree>
-      <p:nvGrpSpPr>
-        <p:cNvPr id="1" name=""/>
-        <p:cNvGrpSpPr/>
-        <p:nvPr/>
-      </p:nvGrpSpPr>
-      <p:grpSpPr>
-        <a:xfrm>
-          <a:off x="0" y="0"/>
-          <a:ext cx="0" cy="0"/>
-          <a:chOff x="0" y="0"/>
-          <a:chExt cx="0" cy="0"/>
-        </a:xfrm>
-      </p:grpSpPr>
-      <p:sp>
-        <p:nvSpPr>
-          <p:cNvPr id="2" name="Title 1">
-            <a:extLst>
-              <a:ext uri="{FF2B5EF4-FFF2-40B4-BE49-F238E27FC236}">
-                <a16:creationId xmlns:a16="http://schemas.microsoft.com/office/drawing/2014/main" id="{D9C8E5C7-F81E-44CB-B378-82A44024BF39}"/>
-              </a:ext>
-            </a:extLst>
-          </p:cNvPr>
-          <p:cNvSpPr>
-            <a:spLocks noGrp="1"/>
-          </p:cNvSpPr>
-          <p:nvPr>
-            <p:ph type="title"/>
-          </p:nvPr>
-        </p:nvSpPr>
-        <p:spPr/>
-        <p:txBody>
-          <a:bodyPr/>
-          <a:lstStyle/>
-          <a:p>
-            <a:endParaRPr lang="en-US"/>
-          </a:p>
-        </p:txBody>
-      </p:sp>
-      <p:sp>
-        <p:nvSpPr>
-          <p:cNvPr id="3" name="Content Placeholder 2">
-            <a:extLst>
-              <a:ext uri="{FF2B5EF4-FFF2-40B4-BE49-F238E27FC236}">
-                <a16:creationId xmlns:a16="http://schemas.microsoft.com/office/drawing/2014/main" id="{76E4367B-F8A9-462E-AC08-94EC160164F5}"/>
-              </a:ext>
-            </a:extLst>
-          </p:cNvPr>
-          <p:cNvSpPr>
-            <a:spLocks noGrp="1"/>
-          </p:cNvSpPr>
-          <p:nvPr>
-            <p:ph idx="1"/>
-          </p:nvPr>
-        </p:nvSpPr>
-        <p:spPr/>
-        <p:txBody>
-          <a:bodyPr/>
-          <a:lstStyle/>
-          <a:p>
-            <a:endParaRPr lang="en-US"/>
-          </a:p>
-        </p:txBody>
-      </p:sp>
-    </p:spTree>
-    <p:extLst>
-      <p:ext uri="{BB962C8B-B14F-4D97-AF65-F5344CB8AC3E}">
-        <p14:creationId xmlns:p14="http://schemas.microsoft.com/office/powerpoint/2010/main" val="146590354"/>
       </p:ext>
     </p:extLst>
   </p:cSld>
